--- a/Steganography.pptx
+++ b/Steganography.pptx
@@ -51036,7 +51036,7 @@
           <a:p>
             <a:r>
               <a:rPr lang="en-US" dirty="0"/>
-              <a:t>At Contoso, we believe in giving 110%. By using our next-generation data architecture, we help organizations virtually manage agile workflows. We thrive because of our market knowledge and great team behind our product. As our CEO says, "Efficiencies will come from proactively transforming how we do business."</a:t>
+              <a:t>https://github.com/suryakeerthi2448/steganography.git</a:t>
             </a:r>
           </a:p>
         </p:txBody>
